--- a/process-flow.pptx
+++ b/process-flow.pptx
@@ -104,6 +104,11 @@
       </a:defRPr>
     </a:lvl9pPr>
   </p:defaultTextStyle>
+  <p:extLst>
+    <p:ext uri="{EFAFB233-063F-42B5-8137-9DF3F51BA10A}">
+      <p15:sldGuideLst xmlns:p15="http://schemas.microsoft.com/office/powerpoint/2012/main"/>
+    </p:ext>
+  </p:extLst>
 </p:presentation>
 </file>
 
@@ -254,7 +259,7 @@
           <a:p>
             <a:fld id="{5B6A4534-4E09-7F4E-8FA8-ED43DE00DDC0}" type="datetimeFigureOut">
               <a:rPr kumimoji="1" lang="ja-JP" altLang="en-US" smtClean="0"/>
-              <a:t>2018/10/11</a:t>
+              <a:t>2020/5/4</a:t>
             </a:fld>
             <a:endParaRPr kumimoji="1" lang="ja-JP" altLang="en-US"/>
           </a:p>
@@ -459,7 +464,7 @@
           <a:p>
             <a:fld id="{5B6A4534-4E09-7F4E-8FA8-ED43DE00DDC0}" type="datetimeFigureOut">
               <a:rPr kumimoji="1" lang="ja-JP" altLang="en-US" smtClean="0"/>
-              <a:t>2018/10/11</a:t>
+              <a:t>2020/5/4</a:t>
             </a:fld>
             <a:endParaRPr kumimoji="1" lang="ja-JP" altLang="en-US"/>
           </a:p>
@@ -674,7 +679,7 @@
           <a:p>
             <a:fld id="{5B6A4534-4E09-7F4E-8FA8-ED43DE00DDC0}" type="datetimeFigureOut">
               <a:rPr kumimoji="1" lang="ja-JP" altLang="en-US" smtClean="0"/>
-              <a:t>2018/10/11</a:t>
+              <a:t>2020/5/4</a:t>
             </a:fld>
             <a:endParaRPr kumimoji="1" lang="ja-JP" altLang="en-US"/>
           </a:p>
@@ -879,7 +884,7 @@
           <a:p>
             <a:fld id="{5B6A4534-4E09-7F4E-8FA8-ED43DE00DDC0}" type="datetimeFigureOut">
               <a:rPr kumimoji="1" lang="ja-JP" altLang="en-US" smtClean="0"/>
-              <a:t>2018/10/11</a:t>
+              <a:t>2020/5/4</a:t>
             </a:fld>
             <a:endParaRPr kumimoji="1" lang="ja-JP" altLang="en-US"/>
           </a:p>
@@ -1189,7 +1194,7 @@
           <a:p>
             <a:fld id="{5B6A4534-4E09-7F4E-8FA8-ED43DE00DDC0}" type="datetimeFigureOut">
               <a:rPr kumimoji="1" lang="ja-JP" altLang="en-US" smtClean="0"/>
-              <a:t>2018/10/11</a:t>
+              <a:t>2020/5/4</a:t>
             </a:fld>
             <a:endParaRPr kumimoji="1" lang="ja-JP" altLang="en-US"/>
           </a:p>
@@ -1468,7 +1473,7 @@
           <a:p>
             <a:fld id="{5B6A4534-4E09-7F4E-8FA8-ED43DE00DDC0}" type="datetimeFigureOut">
               <a:rPr kumimoji="1" lang="ja-JP" altLang="en-US" smtClean="0"/>
-              <a:t>2018/10/11</a:t>
+              <a:t>2020/5/4</a:t>
             </a:fld>
             <a:endParaRPr kumimoji="1" lang="ja-JP" altLang="en-US"/>
           </a:p>
@@ -1964,7 +1969,7 @@
           <a:p>
             <a:fld id="{5B6A4534-4E09-7F4E-8FA8-ED43DE00DDC0}" type="datetimeFigureOut">
               <a:rPr kumimoji="1" lang="ja-JP" altLang="en-US" smtClean="0"/>
-              <a:t>2018/10/11</a:t>
+              <a:t>2020/5/4</a:t>
             </a:fld>
             <a:endParaRPr kumimoji="1" lang="ja-JP" altLang="en-US"/>
           </a:p>
@@ -2105,7 +2110,7 @@
           <a:p>
             <a:fld id="{5B6A4534-4E09-7F4E-8FA8-ED43DE00DDC0}" type="datetimeFigureOut">
               <a:rPr kumimoji="1" lang="ja-JP" altLang="en-US" smtClean="0"/>
-              <a:t>2018/10/11</a:t>
+              <a:t>2020/5/4</a:t>
             </a:fld>
             <a:endParaRPr kumimoji="1" lang="ja-JP" altLang="en-US"/>
           </a:p>
@@ -2218,7 +2223,7 @@
           <a:p>
             <a:fld id="{5B6A4534-4E09-7F4E-8FA8-ED43DE00DDC0}" type="datetimeFigureOut">
               <a:rPr kumimoji="1" lang="ja-JP" altLang="en-US" smtClean="0"/>
-              <a:t>2018/10/11</a:t>
+              <a:t>2020/5/4</a:t>
             </a:fld>
             <a:endParaRPr kumimoji="1" lang="ja-JP" altLang="en-US"/>
           </a:p>
@@ -2571,7 +2576,7 @@
           <a:p>
             <a:fld id="{5B6A4534-4E09-7F4E-8FA8-ED43DE00DDC0}" type="datetimeFigureOut">
               <a:rPr kumimoji="1" lang="ja-JP" altLang="en-US" smtClean="0"/>
-              <a:t>2018/10/11</a:t>
+              <a:t>2020/5/4</a:t>
             </a:fld>
             <a:endParaRPr kumimoji="1" lang="ja-JP" altLang="en-US"/>
           </a:p>
@@ -2894,7 +2899,7 @@
           <a:p>
             <a:fld id="{5B6A4534-4E09-7F4E-8FA8-ED43DE00DDC0}" type="datetimeFigureOut">
               <a:rPr kumimoji="1" lang="ja-JP" altLang="en-US" smtClean="0"/>
-              <a:t>2018/10/11</a:t>
+              <a:t>2020/5/4</a:t>
             </a:fld>
             <a:endParaRPr kumimoji="1" lang="ja-JP" altLang="en-US"/>
           </a:p>
@@ -3142,7 +3147,7 @@
           <a:p>
             <a:fld id="{5B6A4534-4E09-7F4E-8FA8-ED43DE00DDC0}" type="datetimeFigureOut">
               <a:rPr kumimoji="1" lang="ja-JP" altLang="en-US" smtClean="0"/>
-              <a:t>2018/10/11</a:t>
+              <a:t>2020/5/4</a:t>
             </a:fld>
             <a:endParaRPr kumimoji="1" lang="ja-JP" altLang="en-US"/>
           </a:p>
@@ -3561,6 +3566,134 @@
       </p:grpSpPr>
       <p:sp>
         <p:nvSpPr>
+          <p:cNvPr id="127" name="正方形/長方形 126">
+            <a:extLst>
+              <a:ext uri="{FF2B5EF4-FFF2-40B4-BE49-F238E27FC236}">
+                <a16:creationId xmlns:a16="http://schemas.microsoft.com/office/drawing/2014/main" id="{BEEE7570-5C34-E74D-8C67-660B6E178175}"/>
+              </a:ext>
+            </a:extLst>
+          </p:cNvPr>
+          <p:cNvSpPr/>
+          <p:nvPr/>
+        </p:nvSpPr>
+        <p:spPr>
+          <a:xfrm>
+            <a:off x="443001" y="1713429"/>
+            <a:ext cx="7327749" cy="4937269"/>
+          </a:xfrm>
+          <a:prstGeom prst="rect">
+            <a:avLst/>
+          </a:prstGeom>
+          <a:solidFill>
+            <a:schemeClr val="accent5">
+              <a:lumMod val="20000"/>
+              <a:lumOff val="80000"/>
+            </a:schemeClr>
+          </a:solidFill>
+          <a:ln>
+            <a:prstDash val="dashDot"/>
+          </a:ln>
+        </p:spPr>
+        <p:style>
+          <a:lnRef idx="2">
+            <a:schemeClr val="accent1">
+              <a:shade val="50000"/>
+            </a:schemeClr>
+          </a:lnRef>
+          <a:fillRef idx="1">
+            <a:schemeClr val="accent1"/>
+          </a:fillRef>
+          <a:effectRef idx="0">
+            <a:schemeClr val="accent1"/>
+          </a:effectRef>
+          <a:fontRef idx="minor">
+            <a:schemeClr val="lt1"/>
+          </a:fontRef>
+        </p:style>
+        <p:txBody>
+          <a:bodyPr rot="0" spcFirstLastPara="0" vertOverflow="overflow" horzOverflow="overflow" vert="horz" wrap="square" lIns="91440" tIns="45720" rIns="91440" bIns="45720" numCol="1" spcCol="0" rtlCol="0" fromWordArt="0" anchor="ctr" anchorCtr="0" forceAA="0" compatLnSpc="1">
+            <a:prstTxWarp prst="textNoShape">
+              <a:avLst/>
+            </a:prstTxWarp>
+            <a:noAutofit/>
+          </a:bodyPr>
+          <a:lstStyle/>
+          <a:p>
+            <a:pPr algn="ctr"/>
+            <a:endParaRPr kumimoji="1" lang="ja-JP" altLang="en-US" sz="1100" dirty="0">
+              <a:solidFill>
+                <a:schemeClr val="tx1"/>
+              </a:solidFill>
+            </a:endParaRPr>
+          </a:p>
+        </p:txBody>
+      </p:sp>
+      <p:sp>
+        <p:nvSpPr>
+          <p:cNvPr id="129" name="正方形/長方形 128">
+            <a:extLst>
+              <a:ext uri="{FF2B5EF4-FFF2-40B4-BE49-F238E27FC236}">
+                <a16:creationId xmlns:a16="http://schemas.microsoft.com/office/drawing/2014/main" id="{1F426941-AAFD-A045-A214-82A9E031D3CD}"/>
+              </a:ext>
+            </a:extLst>
+          </p:cNvPr>
+          <p:cNvSpPr/>
+          <p:nvPr/>
+        </p:nvSpPr>
+        <p:spPr>
+          <a:xfrm>
+            <a:off x="8159246" y="1713429"/>
+            <a:ext cx="3890577" cy="2371786"/>
+          </a:xfrm>
+          <a:prstGeom prst="rect">
+            <a:avLst/>
+          </a:prstGeom>
+          <a:solidFill>
+            <a:schemeClr val="accent2">
+              <a:lumMod val="20000"/>
+              <a:lumOff val="80000"/>
+            </a:schemeClr>
+          </a:solidFill>
+          <a:ln>
+            <a:prstDash val="dashDot"/>
+          </a:ln>
+        </p:spPr>
+        <p:style>
+          <a:lnRef idx="2">
+            <a:schemeClr val="accent1">
+              <a:shade val="50000"/>
+            </a:schemeClr>
+          </a:lnRef>
+          <a:fillRef idx="1">
+            <a:schemeClr val="accent1"/>
+          </a:fillRef>
+          <a:effectRef idx="0">
+            <a:schemeClr val="accent1"/>
+          </a:effectRef>
+          <a:fontRef idx="minor">
+            <a:schemeClr val="lt1"/>
+          </a:fontRef>
+        </p:style>
+        <p:txBody>
+          <a:bodyPr rot="0" spcFirstLastPara="0" vertOverflow="overflow" horzOverflow="overflow" vert="horz" wrap="square" lIns="91440" tIns="45720" rIns="91440" bIns="45720" numCol="1" spcCol="0" rtlCol="0" fromWordArt="0" anchor="ctr" anchorCtr="0" forceAA="0" compatLnSpc="1">
+            <a:prstTxWarp prst="textNoShape">
+              <a:avLst/>
+            </a:prstTxWarp>
+            <a:noAutofit/>
+          </a:bodyPr>
+          <a:lstStyle/>
+          <a:p>
+            <a:pPr algn="ctr"/>
+            <a:endParaRPr kumimoji="1" lang="ja-JP" altLang="en-US" sz="1100" dirty="0">
+              <a:solidFill>
+                <a:schemeClr val="tx1"/>
+              </a:solidFill>
+            </a:endParaRPr>
+          </a:p>
+        </p:txBody>
+      </p:sp>
+      <p:sp>
+        <p:nvSpPr>
           <p:cNvPr id="4" name="雲形吹き出し 3">
             <a:extLst>
               <a:ext uri="{FF2B5EF4-FFF2-40B4-BE49-F238E27FC236}">
@@ -4029,7 +4162,7 @@
         </p:nvSpPr>
         <p:spPr>
           <a:xfrm>
-            <a:off x="3316823" y="4506687"/>
+            <a:off x="3513576" y="4513594"/>
             <a:ext cx="1033670" cy="778092"/>
           </a:xfrm>
           <a:prstGeom prst="foldedCorner">
@@ -4129,9 +4262,9 @@
           <p:nvPr/>
         </p:nvCxnSpPr>
         <p:spPr>
-          <a:xfrm flipV="1">
-            <a:off x="2328596" y="4895733"/>
-            <a:ext cx="988227" cy="1"/>
+          <a:xfrm>
+            <a:off x="2328596" y="4895734"/>
+            <a:ext cx="1184980" cy="6906"/>
           </a:xfrm>
           <a:prstGeom prst="straightConnector1">
             <a:avLst/>
@@ -4172,7 +4305,7 @@
         </p:nvSpPr>
         <p:spPr>
           <a:xfrm>
-            <a:off x="3922342" y="3223121"/>
+            <a:off x="3295393" y="3223120"/>
             <a:ext cx="1465312" cy="624745"/>
           </a:xfrm>
           <a:prstGeom prst="roundRect">
@@ -4238,7 +4371,7 @@
         <p:spPr>
           <a:xfrm>
             <a:off x="2146852" y="3535492"/>
-            <a:ext cx="1775490" cy="2"/>
+            <a:ext cx="1148541" cy="1"/>
           </a:xfrm>
           <a:prstGeom prst="straightConnector1">
             <a:avLst/>
@@ -4276,18 +4409,20 @@
           </p:cNvPr>
           <p:cNvCxnSpPr>
             <a:cxnSpLocks/>
-            <a:stCxn id="17" idx="3"/>
+            <a:stCxn id="17" idx="0"/>
             <a:endCxn id="28" idx="2"/>
           </p:cNvCxnSpPr>
           <p:nvPr/>
         </p:nvCxnSpPr>
         <p:spPr>
-          <a:xfrm flipV="1">
-            <a:off x="4350493" y="3847866"/>
-            <a:ext cx="304505" cy="1047867"/>
-          </a:xfrm>
-          <a:prstGeom prst="bentConnector2">
-            <a:avLst/>
+          <a:xfrm rot="16200000" flipV="1">
+            <a:off x="3696366" y="4179549"/>
+            <a:ext cx="665729" cy="2362"/>
+          </a:xfrm>
+          <a:prstGeom prst="bentConnector3">
+            <a:avLst>
+              <a:gd name="adj1" fmla="val 50000"/>
+            </a:avLst>
           </a:prstGeom>
           <a:ln w="19050">
             <a:solidFill>
@@ -4326,7 +4461,7 @@
         </p:nvSpPr>
         <p:spPr>
           <a:xfrm>
-            <a:off x="4684507" y="4621574"/>
+            <a:off x="4025693" y="4080624"/>
             <a:ext cx="455574" cy="276999"/>
           </a:xfrm>
           <a:prstGeom prst="rect">
@@ -4434,7 +4569,7 @@
         </p:nvSpPr>
         <p:spPr>
           <a:xfrm>
-            <a:off x="2745011" y="3285949"/>
+            <a:off x="2447569" y="3252161"/>
             <a:ext cx="503664" cy="276999"/>
           </a:xfrm>
           <a:prstGeom prst="rect">
@@ -4456,67 +4591,6 @@
           </a:p>
         </p:txBody>
       </p:sp>
-      <p:sp>
-        <p:nvSpPr>
-          <p:cNvPr id="55" name="角丸四角形 54">
-            <a:extLst>
-              <a:ext uri="{FF2B5EF4-FFF2-40B4-BE49-F238E27FC236}">
-                <a16:creationId xmlns:a16="http://schemas.microsoft.com/office/drawing/2014/main" id="{9D7C8E9B-2603-CC4C-B67C-62043859888E}"/>
-              </a:ext>
-            </a:extLst>
-          </p:cNvPr>
-          <p:cNvSpPr/>
-          <p:nvPr/>
-        </p:nvSpPr>
-        <p:spPr>
-          <a:xfrm>
-            <a:off x="5990931" y="5922951"/>
-            <a:ext cx="1465312" cy="624745"/>
-          </a:xfrm>
-          <a:prstGeom prst="roundRect">
-            <a:avLst/>
-          </a:prstGeom>
-          <a:solidFill>
-            <a:srgbClr val="00B0F0"/>
-          </a:solidFill>
-        </p:spPr>
-        <p:style>
-          <a:lnRef idx="2">
-            <a:schemeClr val="accent1">
-              <a:shade val="50000"/>
-            </a:schemeClr>
-          </a:lnRef>
-          <a:fillRef idx="1">
-            <a:schemeClr val="accent1"/>
-          </a:fillRef>
-          <a:effectRef idx="0">
-            <a:schemeClr val="accent1"/>
-          </a:effectRef>
-          <a:fontRef idx="minor">
-            <a:schemeClr val="lt1"/>
-          </a:fontRef>
-        </p:style>
-        <p:txBody>
-          <a:bodyPr rtlCol="0" anchor="ctr"/>
-          <a:lstStyle/>
-          <a:p>
-            <a:pPr algn="ctr"/>
-            <a:r>
-              <a:rPr lang="en-US" altLang="ja-JP" sz="1200" dirty="0" err="1">
-                <a:solidFill>
-                  <a:schemeClr val="tx1"/>
-                </a:solidFill>
-              </a:rPr>
-              <a:t>preprocess.py</a:t>
-            </a:r>
-            <a:endParaRPr kumimoji="1" lang="ja-JP" altLang="en-US" sz="1200">
-              <a:solidFill>
-                <a:schemeClr val="tx1"/>
-              </a:solidFill>
-            </a:endParaRPr>
-          </a:p>
-        </p:txBody>
-      </p:sp>
       <p:cxnSp>
         <p:nvCxnSpPr>
           <p:cNvPr id="58" name="直線矢印コネクタ 57">
@@ -4528,15 +4602,15 @@
           </p:cNvPr>
           <p:cNvCxnSpPr>
             <a:cxnSpLocks/>
-            <a:stCxn id="17" idx="2"/>
-            <a:endCxn id="55" idx="1"/>
+            <a:stCxn id="17" idx="3"/>
+            <a:endCxn id="84" idx="2"/>
           </p:cNvCxnSpPr>
           <p:nvPr/>
         </p:nvCxnSpPr>
         <p:spPr>
-          <a:xfrm rot="16200000" flipH="1">
-            <a:off x="4437022" y="4681414"/>
-            <a:ext cx="950545" cy="2157273"/>
+          <a:xfrm flipV="1">
+            <a:off x="4547246" y="3847865"/>
+            <a:ext cx="2168258" cy="1054775"/>
           </a:xfrm>
           <a:prstGeom prst="bentConnector2">
             <a:avLst/>
@@ -4563,107 +4637,6 @@
           </a:fontRef>
         </p:style>
       </p:cxnSp>
-      <p:sp>
-        <p:nvSpPr>
-          <p:cNvPr id="61" name="円柱 60">
-            <a:extLst>
-              <a:ext uri="{FF2B5EF4-FFF2-40B4-BE49-F238E27FC236}">
-                <a16:creationId xmlns:a16="http://schemas.microsoft.com/office/drawing/2014/main" id="{34092FD1-31D7-9443-9A45-4858E412B6A7}"/>
-              </a:ext>
-            </a:extLst>
-          </p:cNvPr>
-          <p:cNvSpPr/>
-          <p:nvPr/>
-        </p:nvSpPr>
-        <p:spPr>
-          <a:xfrm>
-            <a:off x="6135726" y="4506687"/>
-            <a:ext cx="1165242" cy="778092"/>
-          </a:xfrm>
-          <a:prstGeom prst="can">
-            <a:avLst/>
-          </a:prstGeom>
-          <a:solidFill>
-            <a:srgbClr val="FFFF00"/>
-          </a:solidFill>
-        </p:spPr>
-        <p:style>
-          <a:lnRef idx="2">
-            <a:schemeClr val="accent1">
-              <a:shade val="50000"/>
-            </a:schemeClr>
-          </a:lnRef>
-          <a:fillRef idx="1">
-            <a:schemeClr val="accent1"/>
-          </a:fillRef>
-          <a:effectRef idx="0">
-            <a:schemeClr val="accent1"/>
-          </a:effectRef>
-          <a:fontRef idx="minor">
-            <a:schemeClr val="lt1"/>
-          </a:fontRef>
-        </p:style>
-        <p:txBody>
-          <a:bodyPr rtlCol="0" anchor="ctr"/>
-          <a:lstStyle/>
-          <a:p>
-            <a:pPr algn="ctr"/>
-            <a:r>
-              <a:rPr lang="en-US" altLang="ja-JP" sz="1100" dirty="0">
-                <a:solidFill>
-                  <a:schemeClr val="tx1"/>
-                </a:solidFill>
-              </a:rPr>
-              <a:t>segmented-data</a:t>
-            </a:r>
-            <a:r>
-              <a:rPr kumimoji="1" lang="en-US" altLang="ja-JP" sz="1100" dirty="0">
-                <a:solidFill>
-                  <a:schemeClr val="tx1"/>
-                </a:solidFill>
-              </a:rPr>
-              <a:t>/*</a:t>
-            </a:r>
-            <a:r>
-              <a:rPr lang="en-US" altLang="ja-JP" sz="1100" dirty="0">
-                <a:solidFill>
-                  <a:schemeClr val="tx1"/>
-                </a:solidFill>
-              </a:rPr>
-              <a:t>.</a:t>
-            </a:r>
-            <a:r>
-              <a:rPr lang="en-US" altLang="ja-JP" sz="1100" dirty="0" err="1">
-                <a:solidFill>
-                  <a:schemeClr val="tx1"/>
-                </a:solidFill>
-              </a:rPr>
-              <a:t>png</a:t>
-            </a:r>
-            <a:endParaRPr lang="en-US" altLang="ja-JP" sz="1100" dirty="0">
-              <a:solidFill>
-                <a:schemeClr val="tx1"/>
-              </a:solidFill>
-            </a:endParaRPr>
-          </a:p>
-          <a:p>
-            <a:pPr algn="ctr"/>
-            <a:r>
-              <a:rPr kumimoji="1" lang="en-US" altLang="ja-JP" sz="1100" dirty="0">
-                <a:solidFill>
-                  <a:schemeClr val="tx1"/>
-                </a:solidFill>
-              </a:rPr>
-              <a:t>(training data)</a:t>
-            </a:r>
-            <a:endParaRPr kumimoji="1" lang="ja-JP" altLang="en-US" sz="1100">
-              <a:solidFill>
-                <a:schemeClr val="tx1"/>
-              </a:solidFill>
-            </a:endParaRPr>
-          </a:p>
-        </p:txBody>
-      </p:sp>
       <p:cxnSp>
         <p:nvCxnSpPr>
           <p:cNvPr id="66" name="直線矢印コネクタ 65">
@@ -4676,18 +4649,19 @@
           <p:cNvCxnSpPr>
             <a:cxnSpLocks/>
             <a:stCxn id="8" idx="2"/>
-            <a:endCxn id="55" idx="1"/>
+            <a:endCxn id="84" idx="2"/>
           </p:cNvCxnSpPr>
           <p:nvPr/>
         </p:nvCxnSpPr>
         <p:spPr>
           <a:xfrm rot="10800000" flipH="1" flipV="1">
-            <a:off x="1045029" y="3535492"/>
-            <a:ext cx="4945902" cy="2699832"/>
-          </a:xfrm>
-          <a:prstGeom prst="bentConnector3">
+            <a:off x="1045028" y="3535491"/>
+            <a:ext cx="5670475" cy="312373"/>
+          </a:xfrm>
+          <a:prstGeom prst="bentConnector4">
             <a:avLst>
-              <a:gd name="adj1" fmla="val -8756"/>
+              <a:gd name="adj1" fmla="val -6930"/>
+              <a:gd name="adj2" fmla="val 924610"/>
             </a:avLst>
           </a:prstGeom>
           <a:ln w="19050">
@@ -4726,7 +4700,7 @@
         </p:nvSpPr>
         <p:spPr>
           <a:xfrm>
-            <a:off x="4533702" y="5922951"/>
+            <a:off x="6137407" y="4085213"/>
             <a:ext cx="503664" cy="276999"/>
           </a:xfrm>
           <a:prstGeom prst="rect">
@@ -4748,26 +4722,172 @@
           </a:p>
         </p:txBody>
       </p:sp>
+      <p:sp>
+        <p:nvSpPr>
+          <p:cNvPr id="84" name="角丸四角形 83">
+            <a:extLst>
+              <a:ext uri="{FF2B5EF4-FFF2-40B4-BE49-F238E27FC236}">
+                <a16:creationId xmlns:a16="http://schemas.microsoft.com/office/drawing/2014/main" id="{1CAFA7B0-776E-414D-8C70-F781D9F2A3E9}"/>
+              </a:ext>
+            </a:extLst>
+          </p:cNvPr>
+          <p:cNvSpPr/>
+          <p:nvPr/>
+        </p:nvSpPr>
+        <p:spPr>
+          <a:xfrm>
+            <a:off x="5982848" y="3223120"/>
+            <a:ext cx="1465312" cy="624745"/>
+          </a:xfrm>
+          <a:prstGeom prst="roundRect">
+            <a:avLst/>
+          </a:prstGeom>
+          <a:solidFill>
+            <a:srgbClr val="00B0F0"/>
+          </a:solidFill>
+        </p:spPr>
+        <p:style>
+          <a:lnRef idx="2">
+            <a:schemeClr val="accent1">
+              <a:shade val="50000"/>
+            </a:schemeClr>
+          </a:lnRef>
+          <a:fillRef idx="1">
+            <a:schemeClr val="accent1"/>
+          </a:fillRef>
+          <a:effectRef idx="0">
+            <a:schemeClr val="accent1"/>
+          </a:effectRef>
+          <a:fontRef idx="minor">
+            <a:schemeClr val="lt1"/>
+          </a:fontRef>
+        </p:style>
+        <p:txBody>
+          <a:bodyPr rtlCol="0" anchor="ctr"/>
+          <a:lstStyle/>
+          <a:p>
+            <a:pPr algn="ctr"/>
+            <a:r>
+              <a:rPr lang="en-US" altLang="ja-JP" sz="1200" dirty="0" err="1">
+                <a:solidFill>
+                  <a:schemeClr val="tx1"/>
+                </a:solidFill>
+              </a:rPr>
+              <a:t>train.py</a:t>
+            </a:r>
+            <a:endParaRPr kumimoji="1" lang="ja-JP" altLang="en-US" sz="1200">
+              <a:solidFill>
+                <a:schemeClr val="tx1"/>
+              </a:solidFill>
+            </a:endParaRPr>
+          </a:p>
+        </p:txBody>
+      </p:sp>
+      <p:sp>
+        <p:nvSpPr>
+          <p:cNvPr id="102" name="円柱 101">
+            <a:extLst>
+              <a:ext uri="{FF2B5EF4-FFF2-40B4-BE49-F238E27FC236}">
+                <a16:creationId xmlns:a16="http://schemas.microsoft.com/office/drawing/2014/main" id="{64705183-B78F-5C45-8915-F7FEABFB884F}"/>
+              </a:ext>
+            </a:extLst>
+          </p:cNvPr>
+          <p:cNvSpPr/>
+          <p:nvPr/>
+        </p:nvSpPr>
+        <p:spPr>
+          <a:xfrm>
+            <a:off x="8503406" y="3140114"/>
+            <a:ext cx="1165242" cy="778092"/>
+          </a:xfrm>
+          <a:prstGeom prst="can">
+            <a:avLst/>
+          </a:prstGeom>
+          <a:solidFill>
+            <a:srgbClr val="FFFF00"/>
+          </a:solidFill>
+        </p:spPr>
+        <p:style>
+          <a:lnRef idx="2">
+            <a:schemeClr val="accent1">
+              <a:shade val="50000"/>
+            </a:schemeClr>
+          </a:lnRef>
+          <a:fillRef idx="1">
+            <a:schemeClr val="accent1"/>
+          </a:fillRef>
+          <a:effectRef idx="0">
+            <a:schemeClr val="accent1"/>
+          </a:effectRef>
+          <a:fontRef idx="minor">
+            <a:schemeClr val="lt1"/>
+          </a:fontRef>
+        </p:style>
+        <p:txBody>
+          <a:bodyPr rtlCol="0" anchor="ctr"/>
+          <a:lstStyle/>
+          <a:p>
+            <a:pPr algn="ctr"/>
+            <a:r>
+              <a:rPr lang="en-US" altLang="ja-JP" sz="1100" dirty="0">
+                <a:solidFill>
+                  <a:schemeClr val="tx1"/>
+                </a:solidFill>
+              </a:rPr>
+              <a:t>model</a:t>
+            </a:r>
+            <a:r>
+              <a:rPr kumimoji="1" lang="en-US" altLang="ja-JP" sz="1100" dirty="0">
+                <a:solidFill>
+                  <a:schemeClr val="tx1"/>
+                </a:solidFill>
+              </a:rPr>
+              <a:t>/*</a:t>
+            </a:r>
+            <a:endParaRPr lang="en-US" altLang="ja-JP" sz="1100" dirty="0">
+              <a:solidFill>
+                <a:schemeClr val="tx1"/>
+              </a:solidFill>
+            </a:endParaRPr>
+          </a:p>
+          <a:p>
+            <a:pPr algn="ctr"/>
+            <a:r>
+              <a:rPr kumimoji="1" lang="en-US" altLang="ja-JP" sz="1100" dirty="0">
+                <a:solidFill>
+                  <a:schemeClr val="tx1"/>
+                </a:solidFill>
+              </a:rPr>
+              <a:t>(CNN model)</a:t>
+            </a:r>
+            <a:endParaRPr kumimoji="1" lang="ja-JP" altLang="en-US" sz="1100">
+              <a:solidFill>
+                <a:schemeClr val="tx1"/>
+              </a:solidFill>
+            </a:endParaRPr>
+          </a:p>
+        </p:txBody>
+      </p:sp>
       <p:cxnSp>
         <p:nvCxnSpPr>
-          <p:cNvPr id="72" name="直線矢印コネクタ 71">
-            <a:extLst>
-              <a:ext uri="{FF2B5EF4-FFF2-40B4-BE49-F238E27FC236}">
-                <a16:creationId xmlns:a16="http://schemas.microsoft.com/office/drawing/2014/main" id="{5D3438F1-9009-3541-979D-FA37571B1EA2}"/>
+          <p:cNvPr id="103" name="直線矢印コネクタ 102">
+            <a:extLst>
+              <a:ext uri="{FF2B5EF4-FFF2-40B4-BE49-F238E27FC236}">
+                <a16:creationId xmlns:a16="http://schemas.microsoft.com/office/drawing/2014/main" id="{2D330CF9-917E-754A-8826-24E47C20A9C0}"/>
               </a:ext>
             </a:extLst>
           </p:cNvPr>
           <p:cNvCxnSpPr>
             <a:cxnSpLocks/>
-            <a:stCxn id="55" idx="0"/>
-            <a:endCxn id="61" idx="3"/>
+            <a:stCxn id="84" idx="3"/>
+            <a:endCxn id="102" idx="2"/>
           </p:cNvCxnSpPr>
           <p:nvPr/>
         </p:nvCxnSpPr>
         <p:spPr>
-          <a:xfrm flipH="1" flipV="1">
-            <a:off x="6718347" y="5284779"/>
-            <a:ext cx="5240" cy="638172"/>
+          <a:xfrm flipV="1">
+            <a:off x="7448160" y="3529160"/>
+            <a:ext cx="1055246" cy="6333"/>
           </a:xfrm>
           <a:prstGeom prst="straightConnector1">
             <a:avLst/>
@@ -4796,10 +4916,10 @@
       </p:cxnSp>
       <p:sp>
         <p:nvSpPr>
-          <p:cNvPr id="79" name="テキスト ボックス 78">
-            <a:extLst>
-              <a:ext uri="{FF2B5EF4-FFF2-40B4-BE49-F238E27FC236}">
-                <a16:creationId xmlns:a16="http://schemas.microsoft.com/office/drawing/2014/main" id="{F1236CBA-EB06-EE46-81FA-6033EE21BE1B}"/>
+          <p:cNvPr id="107" name="テキスト ボックス 106">
+            <a:extLst>
+              <a:ext uri="{FF2B5EF4-FFF2-40B4-BE49-F238E27FC236}">
+                <a16:creationId xmlns:a16="http://schemas.microsoft.com/office/drawing/2014/main" id="{ACDAAB6D-F7C5-A04C-9D19-176B885DD280}"/>
               </a:ext>
             </a:extLst>
           </p:cNvPr>
@@ -4808,8 +4928,8 @@
         </p:nvSpPr>
         <p:spPr>
           <a:xfrm>
-            <a:off x="6715504" y="5456167"/>
-            <a:ext cx="816249" cy="276999"/>
+            <a:off x="1578901" y="2678713"/>
+            <a:ext cx="511679" cy="276999"/>
           </a:xfrm>
           <a:prstGeom prst="rect">
             <a:avLst/>
@@ -4824,7 +4944,7 @@
           <a:p>
             <a:r>
               <a:rPr kumimoji="1" lang="en-US" altLang="ja-JP" sz="1200" dirty="0"/>
-              <a:t>generate</a:t>
+              <a:t>save</a:t>
             </a:r>
             <a:endParaRPr kumimoji="1" lang="ja-JP" altLang="en-US" sz="1200"/>
           </a:p>
@@ -4832,10 +4952,10 @@
       </p:sp>
       <p:sp>
         <p:nvSpPr>
-          <p:cNvPr id="84" name="角丸四角形 83">
-            <a:extLst>
-              <a:ext uri="{FF2B5EF4-FFF2-40B4-BE49-F238E27FC236}">
-                <a16:creationId xmlns:a16="http://schemas.microsoft.com/office/drawing/2014/main" id="{1CAFA7B0-776E-414D-8C70-F781D9F2A3E9}"/>
+          <p:cNvPr id="108" name="角丸四角形 107">
+            <a:extLst>
+              <a:ext uri="{FF2B5EF4-FFF2-40B4-BE49-F238E27FC236}">
+                <a16:creationId xmlns:a16="http://schemas.microsoft.com/office/drawing/2014/main" id="{CB569F02-0289-8E4A-A559-E90B85045D62}"/>
               </a:ext>
             </a:extLst>
           </p:cNvPr>
@@ -4844,14 +4964,14 @@
         </p:nvSpPr>
         <p:spPr>
           <a:xfrm>
-            <a:off x="5982848" y="3250576"/>
+            <a:off x="8353371" y="1862877"/>
             <a:ext cx="1465312" cy="624745"/>
           </a:xfrm>
           <a:prstGeom prst="roundRect">
             <a:avLst/>
           </a:prstGeom>
           <a:solidFill>
-            <a:srgbClr val="00B0F0"/>
+            <a:srgbClr val="FFC000"/>
           </a:solidFill>
         </p:spPr>
         <p:style>
@@ -4881,7 +5001,22 @@
                   <a:schemeClr val="tx1"/>
                 </a:solidFill>
               </a:rPr>
-              <a:t>train.py</a:t>
+              <a:t>scrape.pl</a:t>
+            </a:r>
+            <a:br>
+              <a:rPr lang="en-US" altLang="ja-JP" sz="1200" dirty="0">
+                <a:solidFill>
+                  <a:schemeClr val="tx1"/>
+                </a:solidFill>
+              </a:rPr>
+            </a:br>
+            <a:r>
+              <a:rPr lang="en-US" altLang="ja-JP" sz="1200" dirty="0" err="1">
+                <a:solidFill>
+                  <a:schemeClr val="tx1"/>
+                </a:solidFill>
+              </a:rPr>
+              <a:t>mysql-scrape.pl</a:t>
             </a:r>
             <a:endParaRPr kumimoji="1" lang="ja-JP" altLang="en-US" sz="1200">
               <a:solidFill>
@@ -4893,24 +5028,24 @@
       </p:sp>
       <p:cxnSp>
         <p:nvCxnSpPr>
-          <p:cNvPr id="85" name="直線矢印コネクタ 84">
-            <a:extLst>
-              <a:ext uri="{FF2B5EF4-FFF2-40B4-BE49-F238E27FC236}">
-                <a16:creationId xmlns:a16="http://schemas.microsoft.com/office/drawing/2014/main" id="{B2C395B1-68C4-D441-A9DE-3F3DA3E8B126}"/>
+          <p:cNvPr id="110" name="直線矢印コネクタ 109">
+            <a:extLst>
+              <a:ext uri="{FF2B5EF4-FFF2-40B4-BE49-F238E27FC236}">
+                <a16:creationId xmlns:a16="http://schemas.microsoft.com/office/drawing/2014/main" id="{BFBBDCE9-302B-6543-9D49-A2EDC62E29B2}"/>
               </a:ext>
             </a:extLst>
           </p:cNvPr>
           <p:cNvCxnSpPr>
             <a:cxnSpLocks/>
-            <a:stCxn id="61" idx="1"/>
-            <a:endCxn id="84" idx="2"/>
+            <a:stCxn id="102" idx="1"/>
+            <a:endCxn id="108" idx="2"/>
           </p:cNvCxnSpPr>
           <p:nvPr/>
         </p:nvCxnSpPr>
         <p:spPr>
-          <a:xfrm flipH="1" flipV="1">
-            <a:off x="6715504" y="3875321"/>
-            <a:ext cx="2843" cy="631366"/>
+          <a:xfrm flipV="1">
+            <a:off x="9086027" y="2487622"/>
+            <a:ext cx="0" cy="652492"/>
           </a:xfrm>
           <a:prstGeom prst="straightConnector1">
             <a:avLst/>
@@ -4939,10 +5074,10 @@
       </p:cxnSp>
       <p:sp>
         <p:nvSpPr>
-          <p:cNvPr id="86" name="テキスト ボックス 85">
-            <a:extLst>
-              <a:ext uri="{FF2B5EF4-FFF2-40B4-BE49-F238E27FC236}">
-                <a16:creationId xmlns:a16="http://schemas.microsoft.com/office/drawing/2014/main" id="{45EDC334-70FD-F547-8E92-8C05AC60ABDF}"/>
+          <p:cNvPr id="111" name="テキスト ボックス 110">
+            <a:extLst>
+              <a:ext uri="{FF2B5EF4-FFF2-40B4-BE49-F238E27FC236}">
+                <a16:creationId xmlns:a16="http://schemas.microsoft.com/office/drawing/2014/main" id="{B8778958-2158-6C4F-A180-B1A2C9B3034D}"/>
               </a:ext>
             </a:extLst>
           </p:cNvPr>
@@ -4951,7 +5086,7 @@
         </p:nvSpPr>
         <p:spPr>
           <a:xfrm>
-            <a:off x="6718347" y="4065106"/>
+            <a:off x="9088422" y="2692262"/>
             <a:ext cx="816249" cy="276999"/>
           </a:xfrm>
           <a:prstGeom prst="rect">
@@ -4967,7 +5102,7 @@
           <a:p>
             <a:r>
               <a:rPr kumimoji="1" lang="en-US" altLang="ja-JP" sz="1200" dirty="0"/>
-              <a:t>generate</a:t>
+              <a:t>load</a:t>
             </a:r>
             <a:endParaRPr kumimoji="1" lang="ja-JP" altLang="en-US" sz="1200"/>
           </a:p>
@@ -4975,109 +5110,59 @@
       </p:sp>
       <p:sp>
         <p:nvSpPr>
-          <p:cNvPr id="102" name="円柱 101">
-            <a:extLst>
-              <a:ext uri="{FF2B5EF4-FFF2-40B4-BE49-F238E27FC236}">
-                <a16:creationId xmlns:a16="http://schemas.microsoft.com/office/drawing/2014/main" id="{64705183-B78F-5C45-8915-F7FEABFB884F}"/>
-              </a:ext>
-            </a:extLst>
-          </p:cNvPr>
-          <p:cNvSpPr/>
+          <p:cNvPr id="114" name="テキスト ボックス 113">
+            <a:extLst>
+              <a:ext uri="{FF2B5EF4-FFF2-40B4-BE49-F238E27FC236}">
+                <a16:creationId xmlns:a16="http://schemas.microsoft.com/office/drawing/2014/main" id="{553A07B5-51C7-964E-8DD3-5EEB452E3F7D}"/>
+              </a:ext>
+            </a:extLst>
+          </p:cNvPr>
+          <p:cNvSpPr txBox="1"/>
           <p:nvPr/>
         </p:nvSpPr>
         <p:spPr>
           <a:xfrm>
-            <a:off x="8503406" y="3173902"/>
-            <a:ext cx="1165242" cy="778092"/>
-          </a:xfrm>
-          <a:prstGeom prst="can">
+            <a:off x="7549157" y="3295820"/>
+            <a:ext cx="816249" cy="276999"/>
+          </a:xfrm>
+          <a:prstGeom prst="rect">
             <a:avLst/>
           </a:prstGeom>
-          <a:solidFill>
-            <a:srgbClr val="FFFF00"/>
-          </a:solidFill>
-        </p:spPr>
-        <p:style>
-          <a:lnRef idx="2">
-            <a:schemeClr val="accent1">
-              <a:shade val="50000"/>
-            </a:schemeClr>
-          </a:lnRef>
-          <a:fillRef idx="1">
-            <a:schemeClr val="accent1"/>
-          </a:fillRef>
-          <a:effectRef idx="0">
-            <a:schemeClr val="accent1"/>
-          </a:effectRef>
-          <a:fontRef idx="minor">
-            <a:schemeClr val="lt1"/>
-          </a:fontRef>
-        </p:style>
-        <p:txBody>
-          <a:bodyPr rtlCol="0" anchor="ctr"/>
-          <a:lstStyle/>
-          <a:p>
-            <a:pPr algn="ctr"/>
-            <a:r>
-              <a:rPr lang="en-US" altLang="ja-JP" sz="1100" dirty="0">
-                <a:solidFill>
-                  <a:schemeClr val="tx1"/>
-                </a:solidFill>
-              </a:rPr>
-              <a:t>model</a:t>
-            </a:r>
-            <a:r>
-              <a:rPr kumimoji="1" lang="en-US" altLang="ja-JP" sz="1100" dirty="0">
-                <a:solidFill>
-                  <a:schemeClr val="tx1"/>
-                </a:solidFill>
-              </a:rPr>
-              <a:t>/*</a:t>
-            </a:r>
-            <a:endParaRPr lang="en-US" altLang="ja-JP" sz="1100" dirty="0">
-              <a:solidFill>
-                <a:schemeClr val="tx1"/>
-              </a:solidFill>
-            </a:endParaRPr>
-          </a:p>
-          <a:p>
-            <a:pPr algn="ctr"/>
-            <a:r>
-              <a:rPr kumimoji="1" lang="en-US" altLang="ja-JP" sz="1100" dirty="0">
-                <a:solidFill>
-                  <a:schemeClr val="tx1"/>
-                </a:solidFill>
-              </a:rPr>
-              <a:t>(CNN model)</a:t>
-            </a:r>
-            <a:endParaRPr kumimoji="1" lang="ja-JP" altLang="en-US" sz="1100">
-              <a:solidFill>
-                <a:schemeClr val="tx1"/>
-              </a:solidFill>
-            </a:endParaRPr>
+          <a:noFill/>
+        </p:spPr>
+        <p:txBody>
+          <a:bodyPr wrap="square" rtlCol="0">
+            <a:spAutoFit/>
+          </a:bodyPr>
+          <a:lstStyle/>
+          <a:p>
+            <a:r>
+              <a:rPr kumimoji="1" lang="en-US" altLang="ja-JP" sz="1200" dirty="0"/>
+              <a:t>generate</a:t>
+            </a:r>
+            <a:endParaRPr kumimoji="1" lang="ja-JP" altLang="en-US" sz="1200"/>
           </a:p>
         </p:txBody>
       </p:sp>
       <p:cxnSp>
         <p:nvCxnSpPr>
-          <p:cNvPr id="103" name="直線矢印コネクタ 102">
-            <a:extLst>
-              <a:ext uri="{FF2B5EF4-FFF2-40B4-BE49-F238E27FC236}">
-                <a16:creationId xmlns:a16="http://schemas.microsoft.com/office/drawing/2014/main" id="{2D330CF9-917E-754A-8826-24E47C20A9C0}"/>
+          <p:cNvPr id="115" name="直線矢印コネクタ 114">
+            <a:extLst>
+              <a:ext uri="{FF2B5EF4-FFF2-40B4-BE49-F238E27FC236}">
+                <a16:creationId xmlns:a16="http://schemas.microsoft.com/office/drawing/2014/main" id="{B5B0EB0A-175A-C741-A619-BCDF1D9222B8}"/>
               </a:ext>
             </a:extLst>
           </p:cNvPr>
           <p:cNvCxnSpPr>
             <a:cxnSpLocks/>
-            <a:stCxn id="84" idx="3"/>
-            <a:endCxn id="102" idx="2"/>
+            <a:endCxn id="108" idx="0"/>
           </p:cNvCxnSpPr>
           <p:nvPr/>
         </p:nvCxnSpPr>
         <p:spPr>
-          <a:xfrm flipV="1">
-            <a:off x="7448160" y="3562948"/>
-            <a:ext cx="1055246" cy="1"/>
+          <a:xfrm>
+            <a:off x="7360636" y="1165306"/>
+            <a:ext cx="1725391" cy="697571"/>
           </a:xfrm>
           <a:prstGeom prst="straightConnector1">
             <a:avLst/>
@@ -5106,10 +5191,10 @@
       </p:cxnSp>
       <p:sp>
         <p:nvSpPr>
-          <p:cNvPr id="107" name="テキスト ボックス 106">
-            <a:extLst>
-              <a:ext uri="{FF2B5EF4-FFF2-40B4-BE49-F238E27FC236}">
-                <a16:creationId xmlns:a16="http://schemas.microsoft.com/office/drawing/2014/main" id="{ACDAAB6D-F7C5-A04C-9D19-176B885DD280}"/>
+          <p:cNvPr id="119" name="テキスト ボックス 118">
+            <a:extLst>
+              <a:ext uri="{FF2B5EF4-FFF2-40B4-BE49-F238E27FC236}">
+                <a16:creationId xmlns:a16="http://schemas.microsoft.com/office/drawing/2014/main" id="{416A120F-7E00-6F43-8EBB-8510EDAD0258}"/>
               </a:ext>
             </a:extLst>
           </p:cNvPr>
@@ -5118,8 +5203,8 @@
         </p:nvSpPr>
         <p:spPr>
           <a:xfrm>
-            <a:off x="1578901" y="2678713"/>
-            <a:ext cx="511679" cy="276999"/>
+            <a:off x="1432621" y="1329177"/>
+            <a:ext cx="862737" cy="276999"/>
           </a:xfrm>
           <a:prstGeom prst="rect">
             <a:avLst/>
@@ -5134,7 +5219,7 @@
           <a:p>
             <a:r>
               <a:rPr kumimoji="1" lang="en-US" altLang="ja-JP" sz="1200" dirty="0"/>
-              <a:t>save</a:t>
+              <a:t>HTTP get</a:t>
             </a:r>
             <a:endParaRPr kumimoji="1" lang="ja-JP" altLang="en-US" sz="1200"/>
           </a:p>
@@ -5142,10 +5227,46 @@
       </p:sp>
       <p:sp>
         <p:nvSpPr>
-          <p:cNvPr id="108" name="角丸四角形 107">
-            <a:extLst>
-              <a:ext uri="{FF2B5EF4-FFF2-40B4-BE49-F238E27FC236}">
-                <a16:creationId xmlns:a16="http://schemas.microsoft.com/office/drawing/2014/main" id="{CB569F02-0289-8E4A-A559-E90B85045D62}"/>
+          <p:cNvPr id="120" name="テキスト ボックス 119">
+            <a:extLst>
+              <a:ext uri="{FF2B5EF4-FFF2-40B4-BE49-F238E27FC236}">
+                <a16:creationId xmlns:a16="http://schemas.microsoft.com/office/drawing/2014/main" id="{1D4CDD21-AD58-D743-B44E-44DF3DB1A148}"/>
+              </a:ext>
+            </a:extLst>
+          </p:cNvPr>
+          <p:cNvSpPr txBox="1"/>
+          <p:nvPr/>
+        </p:nvSpPr>
+        <p:spPr>
+          <a:xfrm>
+            <a:off x="8294861" y="1329177"/>
+            <a:ext cx="862737" cy="276999"/>
+          </a:xfrm>
+          <a:prstGeom prst="rect">
+            <a:avLst/>
+          </a:prstGeom>
+          <a:noFill/>
+        </p:spPr>
+        <p:txBody>
+          <a:bodyPr wrap="none" rtlCol="0">
+            <a:spAutoFit/>
+          </a:bodyPr>
+          <a:lstStyle/>
+          <a:p>
+            <a:r>
+              <a:rPr lang="en-US" altLang="ja-JP" sz="1200" dirty="0"/>
+              <a:t>HTTP get</a:t>
+            </a:r>
+            <a:endParaRPr kumimoji="1" lang="ja-JP" altLang="en-US" sz="1200"/>
+          </a:p>
+        </p:txBody>
+      </p:sp>
+      <p:sp>
+        <p:nvSpPr>
+          <p:cNvPr id="121" name="円柱 120">
+            <a:extLst>
+              <a:ext uri="{FF2B5EF4-FFF2-40B4-BE49-F238E27FC236}">
+                <a16:creationId xmlns:a16="http://schemas.microsoft.com/office/drawing/2014/main" id="{9886305A-7004-8E4A-B2CD-EB026AF202D7}"/>
               </a:ext>
             </a:extLst>
           </p:cNvPr>
@@ -5154,14 +5275,14 @@
         </p:nvSpPr>
         <p:spPr>
           <a:xfrm>
-            <a:off x="8353371" y="1862877"/>
-            <a:ext cx="1465312" cy="624745"/>
-          </a:xfrm>
-          <a:prstGeom prst="roundRect">
+            <a:off x="10728824" y="1786203"/>
+            <a:ext cx="1165242" cy="778092"/>
+          </a:xfrm>
+          <a:prstGeom prst="can">
             <a:avLst/>
           </a:prstGeom>
           <a:solidFill>
-            <a:srgbClr val="FFC000"/>
+            <a:srgbClr val="FF0000"/>
           </a:solidFill>
         </p:spPr>
         <p:style>
@@ -5186,29 +5307,38 @@
           <a:p>
             <a:pPr algn="ctr"/>
             <a:r>
-              <a:rPr lang="en-US" altLang="ja-JP" sz="1200" dirty="0" err="1">
+              <a:rPr lang="en-US" altLang="ja-JP" sz="1100" dirty="0">
                 <a:solidFill>
                   <a:schemeClr val="tx1"/>
                 </a:solidFill>
               </a:rPr>
-              <a:t>scrape.pl</a:t>
-            </a:r>
-            <a:br>
-              <a:rPr lang="en-US" altLang="ja-JP" sz="1200" dirty="0">
+              <a:t>Mobile </a:t>
+            </a:r>
+            <a:r>
+              <a:rPr lang="en-US" altLang="ja-JP" sz="1100" dirty="0" err="1">
                 <a:solidFill>
                   <a:schemeClr val="tx1"/>
                 </a:solidFill>
               </a:rPr>
-            </a:br>
-            <a:r>
-              <a:rPr lang="en-US" altLang="ja-JP" sz="1200" dirty="0" err="1">
+              <a:t>Suica</a:t>
+            </a:r>
+            <a:endParaRPr lang="en-US" altLang="ja-JP" sz="1100" dirty="0">
+              <a:solidFill>
+                <a:schemeClr val="tx1"/>
+              </a:solidFill>
+            </a:endParaRPr>
+          </a:p>
+          <a:p>
+            <a:pPr algn="ctr"/>
+            <a:r>
+              <a:rPr kumimoji="1" lang="en-US" altLang="ja-JP" sz="1100" dirty="0">
                 <a:solidFill>
                   <a:schemeClr val="tx1"/>
                 </a:solidFill>
               </a:rPr>
-              <a:t>mysql-scrape.pl</a:t>
-            </a:r>
-            <a:endParaRPr kumimoji="1" lang="ja-JP" altLang="en-US" sz="1200">
+              <a:t>Usage Data</a:t>
+            </a:r>
+            <a:endParaRPr kumimoji="1" lang="ja-JP" altLang="en-US" sz="1100">
               <a:solidFill>
                 <a:schemeClr val="tx1"/>
               </a:solidFill>
@@ -5218,24 +5348,24 @@
       </p:sp>
       <p:cxnSp>
         <p:nvCxnSpPr>
-          <p:cNvPr id="110" name="直線矢印コネクタ 109">
-            <a:extLst>
-              <a:ext uri="{FF2B5EF4-FFF2-40B4-BE49-F238E27FC236}">
-                <a16:creationId xmlns:a16="http://schemas.microsoft.com/office/drawing/2014/main" id="{BFBBDCE9-302B-6543-9D49-A2EDC62E29B2}"/>
+          <p:cNvPr id="122" name="直線矢印コネクタ 121">
+            <a:extLst>
+              <a:ext uri="{FF2B5EF4-FFF2-40B4-BE49-F238E27FC236}">
+                <a16:creationId xmlns:a16="http://schemas.microsoft.com/office/drawing/2014/main" id="{E5761B3B-8A78-7449-9918-985CF3F0A76E}"/>
               </a:ext>
             </a:extLst>
           </p:cNvPr>
           <p:cNvCxnSpPr>
             <a:cxnSpLocks/>
-            <a:stCxn id="102" idx="1"/>
-            <a:endCxn id="108" idx="2"/>
+            <a:stCxn id="108" idx="3"/>
+            <a:endCxn id="121" idx="2"/>
           </p:cNvCxnSpPr>
           <p:nvPr/>
         </p:nvCxnSpPr>
         <p:spPr>
           <a:xfrm flipV="1">
-            <a:off x="9086027" y="2487622"/>
-            <a:ext cx="0" cy="686280"/>
+            <a:off x="9818683" y="2175249"/>
+            <a:ext cx="910141" cy="1"/>
           </a:xfrm>
           <a:prstGeom prst="straightConnector1">
             <a:avLst/>
@@ -5264,10 +5394,10 @@
       </p:cxnSp>
       <p:sp>
         <p:nvSpPr>
-          <p:cNvPr id="111" name="テキスト ボックス 110">
-            <a:extLst>
-              <a:ext uri="{FF2B5EF4-FFF2-40B4-BE49-F238E27FC236}">
-                <a16:creationId xmlns:a16="http://schemas.microsoft.com/office/drawing/2014/main" id="{B8778958-2158-6C4F-A180-B1A2C9B3034D}"/>
+          <p:cNvPr id="125" name="テキスト ボックス 124">
+            <a:extLst>
+              <a:ext uri="{FF2B5EF4-FFF2-40B4-BE49-F238E27FC236}">
+                <a16:creationId xmlns:a16="http://schemas.microsoft.com/office/drawing/2014/main" id="{B35C9EA9-A1FD-BE4E-806C-2A33A187E676}"/>
               </a:ext>
             </a:extLst>
           </p:cNvPr>
@@ -5276,8 +5406,8 @@
         </p:nvSpPr>
         <p:spPr>
           <a:xfrm>
-            <a:off x="9088422" y="2692262"/>
-            <a:ext cx="816249" cy="276999"/>
+            <a:off x="9937955" y="1901593"/>
+            <a:ext cx="649537" cy="276999"/>
           </a:xfrm>
           <a:prstGeom prst="rect">
             <a:avLst/>
@@ -5285,14 +5415,14 @@
           <a:noFill/>
         </p:spPr>
         <p:txBody>
-          <a:bodyPr wrap="square" rtlCol="0">
+          <a:bodyPr wrap="none" rtlCol="0">
             <a:spAutoFit/>
           </a:bodyPr>
           <a:lstStyle/>
           <a:p>
             <a:r>
               <a:rPr kumimoji="1" lang="en-US" altLang="ja-JP" sz="1200" dirty="0"/>
-              <a:t>load</a:t>
+              <a:t>output</a:t>
             </a:r>
             <a:endParaRPr kumimoji="1" lang="ja-JP" altLang="en-US" sz="1200"/>
           </a:p>
@@ -5300,10 +5430,10 @@
       </p:sp>
       <p:sp>
         <p:nvSpPr>
-          <p:cNvPr id="114" name="テキスト ボックス 113">
-            <a:extLst>
-              <a:ext uri="{FF2B5EF4-FFF2-40B4-BE49-F238E27FC236}">
-                <a16:creationId xmlns:a16="http://schemas.microsoft.com/office/drawing/2014/main" id="{553A07B5-51C7-964E-8DD3-5EEB452E3F7D}"/>
+          <p:cNvPr id="128" name="テキスト ボックス 127">
+            <a:extLst>
+              <a:ext uri="{FF2B5EF4-FFF2-40B4-BE49-F238E27FC236}">
+                <a16:creationId xmlns:a16="http://schemas.microsoft.com/office/drawing/2014/main" id="{AA26F13E-6525-A146-81A8-7BACDFEE8246}"/>
               </a:ext>
             </a:extLst>
           </p:cNvPr>
@@ -5312,8 +5442,8 @@
         </p:nvSpPr>
         <p:spPr>
           <a:xfrm>
-            <a:off x="7549157" y="3295820"/>
-            <a:ext cx="816249" cy="276999"/>
+            <a:off x="4450781" y="1713429"/>
+            <a:ext cx="2177199" cy="369332"/>
           </a:xfrm>
           <a:prstGeom prst="rect">
             <a:avLst/>
@@ -5321,38 +5451,156 @@
           <a:noFill/>
         </p:spPr>
         <p:txBody>
-          <a:bodyPr wrap="square" rtlCol="0">
+          <a:bodyPr wrap="none" rtlCol="0">
             <a:spAutoFit/>
           </a:bodyPr>
           <a:lstStyle/>
           <a:p>
             <a:r>
-              <a:rPr kumimoji="1" lang="en-US" altLang="ja-JP" sz="1200" dirty="0"/>
-              <a:t>generate</a:t>
-            </a:r>
-            <a:endParaRPr kumimoji="1" lang="ja-JP" altLang="en-US" sz="1200"/>
+              <a:rPr kumimoji="1" lang="en-US" altLang="ja-JP" dirty="0"/>
+              <a:t>1</a:t>
+            </a:r>
+            <a:r>
+              <a:rPr lang="en-US" altLang="ja-JP" dirty="0"/>
+              <a:t>-time preparation</a:t>
+            </a:r>
+            <a:endParaRPr kumimoji="1" lang="ja-JP" altLang="en-US"/>
+          </a:p>
+        </p:txBody>
+      </p:sp>
+      <p:sp>
+        <p:nvSpPr>
+          <p:cNvPr id="130" name="テキスト ボックス 129">
+            <a:extLst>
+              <a:ext uri="{FF2B5EF4-FFF2-40B4-BE49-F238E27FC236}">
+                <a16:creationId xmlns:a16="http://schemas.microsoft.com/office/drawing/2014/main" id="{46720BD6-226E-994F-97A9-B450618C2D41}"/>
+              </a:ext>
+            </a:extLst>
+          </p:cNvPr>
+          <p:cNvSpPr txBox="1"/>
+          <p:nvPr/>
+        </p:nvSpPr>
+        <p:spPr>
+          <a:xfrm>
+            <a:off x="10887059" y="3739872"/>
+            <a:ext cx="1007007" cy="369332"/>
+          </a:xfrm>
+          <a:prstGeom prst="rect">
+            <a:avLst/>
+          </a:prstGeom>
+          <a:noFill/>
+        </p:spPr>
+        <p:txBody>
+          <a:bodyPr wrap="none" rtlCol="0">
+            <a:spAutoFit/>
+          </a:bodyPr>
+          <a:lstStyle/>
+          <a:p>
+            <a:r>
+              <a:rPr kumimoji="1" lang="en-US" altLang="ja-JP" dirty="0"/>
+              <a:t>runtime</a:t>
+            </a:r>
+            <a:endParaRPr kumimoji="1" lang="ja-JP" altLang="en-US"/>
+          </a:p>
+        </p:txBody>
+      </p:sp>
+      <p:sp>
+        <p:nvSpPr>
+          <p:cNvPr id="59" name="円柱 58">
+            <a:extLst>
+              <a:ext uri="{FF2B5EF4-FFF2-40B4-BE49-F238E27FC236}">
+                <a16:creationId xmlns:a16="http://schemas.microsoft.com/office/drawing/2014/main" id="{81A951C4-7E52-0C4F-A78B-0A69C4336699}"/>
+              </a:ext>
+            </a:extLst>
+          </p:cNvPr>
+          <p:cNvSpPr/>
+          <p:nvPr/>
+        </p:nvSpPr>
+        <p:spPr>
+          <a:xfrm>
+            <a:off x="1013319" y="5483561"/>
+            <a:ext cx="1165242" cy="701482"/>
+          </a:xfrm>
+          <a:prstGeom prst="can">
+            <a:avLst/>
+          </a:prstGeom>
+          <a:solidFill>
+            <a:srgbClr val="FFFF00"/>
+          </a:solidFill>
+        </p:spPr>
+        <p:style>
+          <a:lnRef idx="2">
+            <a:schemeClr val="accent1">
+              <a:shade val="50000"/>
+            </a:schemeClr>
+          </a:lnRef>
+          <a:fillRef idx="1">
+            <a:schemeClr val="accent1"/>
+          </a:fillRef>
+          <a:effectRef idx="0">
+            <a:schemeClr val="accent1"/>
+          </a:effectRef>
+          <a:fontRef idx="minor">
+            <a:schemeClr val="lt1"/>
+          </a:fontRef>
+        </p:style>
+        <p:txBody>
+          <a:bodyPr rtlCol="0" anchor="ctr"/>
+          <a:lstStyle/>
+          <a:p>
+            <a:pPr algn="ctr"/>
+            <a:r>
+              <a:rPr lang="en-US" altLang="ja-JP" sz="1100" dirty="0" err="1">
+                <a:solidFill>
+                  <a:schemeClr val="tx1"/>
+                </a:solidFill>
+              </a:rPr>
+              <a:t>preuild</a:t>
+            </a:r>
+            <a:r>
+              <a:rPr lang="en-US" altLang="ja-JP" sz="1100" dirty="0">
+                <a:solidFill>
+                  <a:schemeClr val="tx1"/>
+                </a:solidFill>
+              </a:rPr>
+              <a:t>-model</a:t>
+            </a:r>
+            <a:r>
+              <a:rPr kumimoji="1" lang="en-US" altLang="ja-JP" sz="1100" dirty="0">
+                <a:solidFill>
+                  <a:schemeClr val="tx1"/>
+                </a:solidFill>
+              </a:rPr>
+              <a:t>/*</a:t>
+            </a:r>
+            <a:endParaRPr lang="en-US" altLang="ja-JP" sz="1100" dirty="0">
+              <a:solidFill>
+                <a:schemeClr val="tx1"/>
+              </a:solidFill>
+            </a:endParaRPr>
           </a:p>
         </p:txBody>
       </p:sp>
       <p:cxnSp>
         <p:nvCxnSpPr>
-          <p:cNvPr id="115" name="直線矢印コネクタ 114">
-            <a:extLst>
-              <a:ext uri="{FF2B5EF4-FFF2-40B4-BE49-F238E27FC236}">
-                <a16:creationId xmlns:a16="http://schemas.microsoft.com/office/drawing/2014/main" id="{B5B0EB0A-175A-C741-A619-BCDF1D9222B8}"/>
+          <p:cNvPr id="63" name="直線矢印コネクタ 62">
+            <a:extLst>
+              <a:ext uri="{FF2B5EF4-FFF2-40B4-BE49-F238E27FC236}">
+                <a16:creationId xmlns:a16="http://schemas.microsoft.com/office/drawing/2014/main" id="{32984EEF-EB32-2040-9E1D-CAB7E667277F}"/>
               </a:ext>
             </a:extLst>
           </p:cNvPr>
           <p:cNvCxnSpPr>
             <a:cxnSpLocks/>
-            <a:endCxn id="108" idx="0"/>
+            <a:stCxn id="59" idx="1"/>
+            <a:endCxn id="12" idx="2"/>
           </p:cNvCxnSpPr>
           <p:nvPr/>
         </p:nvCxnSpPr>
         <p:spPr>
-          <a:xfrm>
-            <a:off x="7360636" y="1165306"/>
-            <a:ext cx="1725391" cy="697571"/>
+          <a:xfrm flipV="1">
+            <a:off x="1595940" y="5208106"/>
+            <a:ext cx="0" cy="275455"/>
           </a:xfrm>
           <a:prstGeom prst="straightConnector1">
             <a:avLst/>
@@ -5379,439 +5627,6 @@
           </a:fontRef>
         </p:style>
       </p:cxnSp>
-      <p:sp>
-        <p:nvSpPr>
-          <p:cNvPr id="119" name="テキスト ボックス 118">
-            <a:extLst>
-              <a:ext uri="{FF2B5EF4-FFF2-40B4-BE49-F238E27FC236}">
-                <a16:creationId xmlns:a16="http://schemas.microsoft.com/office/drawing/2014/main" id="{416A120F-7E00-6F43-8EBB-8510EDAD0258}"/>
-              </a:ext>
-            </a:extLst>
-          </p:cNvPr>
-          <p:cNvSpPr txBox="1"/>
-          <p:nvPr/>
-        </p:nvSpPr>
-        <p:spPr>
-          <a:xfrm>
-            <a:off x="1432621" y="1359999"/>
-            <a:ext cx="872355" cy="276999"/>
-          </a:xfrm>
-          <a:prstGeom prst="rect">
-            <a:avLst/>
-          </a:prstGeom>
-          <a:noFill/>
-        </p:spPr>
-        <p:txBody>
-          <a:bodyPr wrap="none" rtlCol="0">
-            <a:spAutoFit/>
-          </a:bodyPr>
-          <a:lstStyle/>
-          <a:p>
-            <a:r>
-              <a:rPr kumimoji="1" lang="en-US" altLang="ja-JP" sz="1200" dirty="0"/>
-              <a:t>download</a:t>
-            </a:r>
-            <a:endParaRPr kumimoji="1" lang="ja-JP" altLang="en-US" sz="1200"/>
-          </a:p>
-        </p:txBody>
-      </p:sp>
-      <p:sp>
-        <p:nvSpPr>
-          <p:cNvPr id="120" name="テキスト ボックス 119">
-            <a:extLst>
-              <a:ext uri="{FF2B5EF4-FFF2-40B4-BE49-F238E27FC236}">
-                <a16:creationId xmlns:a16="http://schemas.microsoft.com/office/drawing/2014/main" id="{1D4CDD21-AD58-D743-B44E-44DF3DB1A148}"/>
-              </a:ext>
-            </a:extLst>
-          </p:cNvPr>
-          <p:cNvSpPr txBox="1"/>
-          <p:nvPr/>
-        </p:nvSpPr>
-        <p:spPr>
-          <a:xfrm>
-            <a:off x="8294861" y="1359999"/>
-            <a:ext cx="909223" cy="276999"/>
-          </a:xfrm>
-          <a:prstGeom prst="rect">
-            <a:avLst/>
-          </a:prstGeom>
-          <a:noFill/>
-        </p:spPr>
-        <p:txBody>
-          <a:bodyPr wrap="none" rtlCol="0">
-            <a:spAutoFit/>
-          </a:bodyPr>
-          <a:lstStyle/>
-          <a:p>
-            <a:r>
-              <a:rPr lang="en-US" altLang="ja-JP" sz="1200" dirty="0"/>
-              <a:t>fetch data</a:t>
-            </a:r>
-            <a:endParaRPr kumimoji="1" lang="ja-JP" altLang="en-US" sz="1200"/>
-          </a:p>
-        </p:txBody>
-      </p:sp>
-      <p:sp>
-        <p:nvSpPr>
-          <p:cNvPr id="121" name="円柱 120">
-            <a:extLst>
-              <a:ext uri="{FF2B5EF4-FFF2-40B4-BE49-F238E27FC236}">
-                <a16:creationId xmlns:a16="http://schemas.microsoft.com/office/drawing/2014/main" id="{9886305A-7004-8E4A-B2CD-EB026AF202D7}"/>
-              </a:ext>
-            </a:extLst>
-          </p:cNvPr>
-          <p:cNvSpPr/>
-          <p:nvPr/>
-        </p:nvSpPr>
-        <p:spPr>
-          <a:xfrm>
-            <a:off x="10728824" y="1786203"/>
-            <a:ext cx="1165242" cy="778092"/>
-          </a:xfrm>
-          <a:prstGeom prst="can">
-            <a:avLst/>
-          </a:prstGeom>
-          <a:solidFill>
-            <a:srgbClr val="FF0000"/>
-          </a:solidFill>
-        </p:spPr>
-        <p:style>
-          <a:lnRef idx="2">
-            <a:schemeClr val="accent1">
-              <a:shade val="50000"/>
-            </a:schemeClr>
-          </a:lnRef>
-          <a:fillRef idx="1">
-            <a:schemeClr val="accent1"/>
-          </a:fillRef>
-          <a:effectRef idx="0">
-            <a:schemeClr val="accent1"/>
-          </a:effectRef>
-          <a:fontRef idx="minor">
-            <a:schemeClr val="lt1"/>
-          </a:fontRef>
-        </p:style>
-        <p:txBody>
-          <a:bodyPr rtlCol="0" anchor="ctr"/>
-          <a:lstStyle/>
-          <a:p>
-            <a:pPr algn="ctr"/>
-            <a:r>
-              <a:rPr lang="en-US" altLang="ja-JP" sz="1100" dirty="0">
-                <a:solidFill>
-                  <a:schemeClr val="tx1"/>
-                </a:solidFill>
-              </a:rPr>
-              <a:t>Mobile </a:t>
-            </a:r>
-            <a:r>
-              <a:rPr lang="en-US" altLang="ja-JP" sz="1100" dirty="0" err="1">
-                <a:solidFill>
-                  <a:schemeClr val="tx1"/>
-                </a:solidFill>
-              </a:rPr>
-              <a:t>Suica</a:t>
-            </a:r>
-            <a:endParaRPr lang="en-US" altLang="ja-JP" sz="1100" dirty="0">
-              <a:solidFill>
-                <a:schemeClr val="tx1"/>
-              </a:solidFill>
-            </a:endParaRPr>
-          </a:p>
-          <a:p>
-            <a:pPr algn="ctr"/>
-            <a:r>
-              <a:rPr kumimoji="1" lang="en-US" altLang="ja-JP" sz="1100" dirty="0">
-                <a:solidFill>
-                  <a:schemeClr val="tx1"/>
-                </a:solidFill>
-              </a:rPr>
-              <a:t>Usage Data</a:t>
-            </a:r>
-            <a:endParaRPr kumimoji="1" lang="ja-JP" altLang="en-US" sz="1100">
-              <a:solidFill>
-                <a:schemeClr val="tx1"/>
-              </a:solidFill>
-            </a:endParaRPr>
-          </a:p>
-        </p:txBody>
-      </p:sp>
-      <p:cxnSp>
-        <p:nvCxnSpPr>
-          <p:cNvPr id="122" name="直線矢印コネクタ 121">
-            <a:extLst>
-              <a:ext uri="{FF2B5EF4-FFF2-40B4-BE49-F238E27FC236}">
-                <a16:creationId xmlns:a16="http://schemas.microsoft.com/office/drawing/2014/main" id="{E5761B3B-8A78-7449-9918-985CF3F0A76E}"/>
-              </a:ext>
-            </a:extLst>
-          </p:cNvPr>
-          <p:cNvCxnSpPr>
-            <a:cxnSpLocks/>
-            <a:stCxn id="108" idx="3"/>
-            <a:endCxn id="121" idx="2"/>
-          </p:cNvCxnSpPr>
-          <p:nvPr/>
-        </p:nvCxnSpPr>
-        <p:spPr>
-          <a:xfrm flipV="1">
-            <a:off x="9818683" y="2175249"/>
-            <a:ext cx="910141" cy="1"/>
-          </a:xfrm>
-          <a:prstGeom prst="straightConnector1">
-            <a:avLst/>
-          </a:prstGeom>
-          <a:ln w="19050">
-            <a:solidFill>
-              <a:schemeClr val="tx1"/>
-            </a:solidFill>
-            <a:tailEnd type="triangle"/>
-          </a:ln>
-        </p:spPr>
-        <p:style>
-          <a:lnRef idx="1">
-            <a:schemeClr val="accent1"/>
-          </a:lnRef>
-          <a:fillRef idx="0">
-            <a:schemeClr val="accent1"/>
-          </a:fillRef>
-          <a:effectRef idx="0">
-            <a:schemeClr val="accent1"/>
-          </a:effectRef>
-          <a:fontRef idx="minor">
-            <a:schemeClr val="tx1"/>
-          </a:fontRef>
-        </p:style>
-      </p:cxnSp>
-      <p:sp>
-        <p:nvSpPr>
-          <p:cNvPr id="125" name="テキスト ボックス 124">
-            <a:extLst>
-              <a:ext uri="{FF2B5EF4-FFF2-40B4-BE49-F238E27FC236}">
-                <a16:creationId xmlns:a16="http://schemas.microsoft.com/office/drawing/2014/main" id="{B35C9EA9-A1FD-BE4E-806C-2A33A187E676}"/>
-              </a:ext>
-            </a:extLst>
-          </p:cNvPr>
-          <p:cNvSpPr txBox="1"/>
-          <p:nvPr/>
-        </p:nvSpPr>
-        <p:spPr>
-          <a:xfrm>
-            <a:off x="9937955" y="1901593"/>
-            <a:ext cx="649537" cy="276999"/>
-          </a:xfrm>
-          <a:prstGeom prst="rect">
-            <a:avLst/>
-          </a:prstGeom>
-          <a:noFill/>
-        </p:spPr>
-        <p:txBody>
-          <a:bodyPr wrap="none" rtlCol="0">
-            <a:spAutoFit/>
-          </a:bodyPr>
-          <a:lstStyle/>
-          <a:p>
-            <a:r>
-              <a:rPr kumimoji="1" lang="en-US" altLang="ja-JP" sz="1200" dirty="0"/>
-              <a:t>output</a:t>
-            </a:r>
-            <a:endParaRPr kumimoji="1" lang="ja-JP" altLang="en-US" sz="1200"/>
-          </a:p>
-        </p:txBody>
-      </p:sp>
-      <p:sp>
-        <p:nvSpPr>
-          <p:cNvPr id="127" name="正方形/長方形 126">
-            <a:extLst>
-              <a:ext uri="{FF2B5EF4-FFF2-40B4-BE49-F238E27FC236}">
-                <a16:creationId xmlns:a16="http://schemas.microsoft.com/office/drawing/2014/main" id="{BEEE7570-5C34-E74D-8C67-660B6E178175}"/>
-              </a:ext>
-            </a:extLst>
-          </p:cNvPr>
-          <p:cNvSpPr/>
-          <p:nvPr/>
-        </p:nvSpPr>
-        <p:spPr>
-          <a:xfrm>
-            <a:off x="443001" y="1713429"/>
-            <a:ext cx="7327749" cy="4937269"/>
-          </a:xfrm>
-          <a:prstGeom prst="rect">
-            <a:avLst/>
-          </a:prstGeom>
-          <a:noFill/>
-          <a:ln>
-            <a:prstDash val="dashDot"/>
-          </a:ln>
-        </p:spPr>
-        <p:style>
-          <a:lnRef idx="2">
-            <a:schemeClr val="accent1">
-              <a:shade val="50000"/>
-            </a:schemeClr>
-          </a:lnRef>
-          <a:fillRef idx="1">
-            <a:schemeClr val="accent1"/>
-          </a:fillRef>
-          <a:effectRef idx="0">
-            <a:schemeClr val="accent1"/>
-          </a:effectRef>
-          <a:fontRef idx="minor">
-            <a:schemeClr val="lt1"/>
-          </a:fontRef>
-        </p:style>
-        <p:txBody>
-          <a:bodyPr rot="0" spcFirstLastPara="0" vertOverflow="overflow" horzOverflow="overflow" vert="horz" wrap="square" lIns="91440" tIns="45720" rIns="91440" bIns="45720" numCol="1" spcCol="0" rtlCol="0" fromWordArt="0" anchor="ctr" anchorCtr="0" forceAA="0" compatLnSpc="1">
-            <a:prstTxWarp prst="textNoShape">
-              <a:avLst/>
-            </a:prstTxWarp>
-            <a:noAutofit/>
-          </a:bodyPr>
-          <a:lstStyle/>
-          <a:p>
-            <a:pPr algn="ctr"/>
-            <a:endParaRPr kumimoji="1" lang="ja-JP" altLang="en-US" sz="1100" dirty="0">
-              <a:solidFill>
-                <a:schemeClr val="tx1"/>
-              </a:solidFill>
-            </a:endParaRPr>
-          </a:p>
-        </p:txBody>
-      </p:sp>
-      <p:sp>
-        <p:nvSpPr>
-          <p:cNvPr id="128" name="テキスト ボックス 127">
-            <a:extLst>
-              <a:ext uri="{FF2B5EF4-FFF2-40B4-BE49-F238E27FC236}">
-                <a16:creationId xmlns:a16="http://schemas.microsoft.com/office/drawing/2014/main" id="{AA26F13E-6525-A146-81A8-7BACDFEE8246}"/>
-              </a:ext>
-            </a:extLst>
-          </p:cNvPr>
-          <p:cNvSpPr txBox="1"/>
-          <p:nvPr/>
-        </p:nvSpPr>
-        <p:spPr>
-          <a:xfrm>
-            <a:off x="4450781" y="1713429"/>
-            <a:ext cx="2177199" cy="369332"/>
-          </a:xfrm>
-          <a:prstGeom prst="rect">
-            <a:avLst/>
-          </a:prstGeom>
-          <a:noFill/>
-        </p:spPr>
-        <p:txBody>
-          <a:bodyPr wrap="none" rtlCol="0">
-            <a:spAutoFit/>
-          </a:bodyPr>
-          <a:lstStyle/>
-          <a:p>
-            <a:r>
-              <a:rPr kumimoji="1" lang="en-US" altLang="ja-JP" dirty="0"/>
-              <a:t>1</a:t>
-            </a:r>
-            <a:r>
-              <a:rPr lang="en-US" altLang="ja-JP" dirty="0"/>
-              <a:t>-time preparation</a:t>
-            </a:r>
-            <a:endParaRPr kumimoji="1" lang="ja-JP" altLang="en-US"/>
-          </a:p>
-        </p:txBody>
-      </p:sp>
-      <p:sp>
-        <p:nvSpPr>
-          <p:cNvPr id="129" name="正方形/長方形 128">
-            <a:extLst>
-              <a:ext uri="{FF2B5EF4-FFF2-40B4-BE49-F238E27FC236}">
-                <a16:creationId xmlns:a16="http://schemas.microsoft.com/office/drawing/2014/main" id="{1F426941-AAFD-A045-A214-82A9E031D3CD}"/>
-              </a:ext>
-            </a:extLst>
-          </p:cNvPr>
-          <p:cNvSpPr/>
-          <p:nvPr/>
-        </p:nvSpPr>
-        <p:spPr>
-          <a:xfrm>
-            <a:off x="8159246" y="1713429"/>
-            <a:ext cx="3890577" cy="2371786"/>
-          </a:xfrm>
-          <a:prstGeom prst="rect">
-            <a:avLst/>
-          </a:prstGeom>
-          <a:noFill/>
-          <a:ln>
-            <a:prstDash val="dashDot"/>
-          </a:ln>
-        </p:spPr>
-        <p:style>
-          <a:lnRef idx="2">
-            <a:schemeClr val="accent1">
-              <a:shade val="50000"/>
-            </a:schemeClr>
-          </a:lnRef>
-          <a:fillRef idx="1">
-            <a:schemeClr val="accent1"/>
-          </a:fillRef>
-          <a:effectRef idx="0">
-            <a:schemeClr val="accent1"/>
-          </a:effectRef>
-          <a:fontRef idx="minor">
-            <a:schemeClr val="lt1"/>
-          </a:fontRef>
-        </p:style>
-        <p:txBody>
-          <a:bodyPr rot="0" spcFirstLastPara="0" vertOverflow="overflow" horzOverflow="overflow" vert="horz" wrap="square" lIns="91440" tIns="45720" rIns="91440" bIns="45720" numCol="1" spcCol="0" rtlCol="0" fromWordArt="0" anchor="ctr" anchorCtr="0" forceAA="0" compatLnSpc="1">
-            <a:prstTxWarp prst="textNoShape">
-              <a:avLst/>
-            </a:prstTxWarp>
-            <a:noAutofit/>
-          </a:bodyPr>
-          <a:lstStyle/>
-          <a:p>
-            <a:pPr algn="ctr"/>
-            <a:endParaRPr kumimoji="1" lang="ja-JP" altLang="en-US" sz="1100" dirty="0">
-              <a:solidFill>
-                <a:schemeClr val="tx1"/>
-              </a:solidFill>
-            </a:endParaRPr>
-          </a:p>
-        </p:txBody>
-      </p:sp>
-      <p:sp>
-        <p:nvSpPr>
-          <p:cNvPr id="130" name="テキスト ボックス 129">
-            <a:extLst>
-              <a:ext uri="{FF2B5EF4-FFF2-40B4-BE49-F238E27FC236}">
-                <a16:creationId xmlns:a16="http://schemas.microsoft.com/office/drawing/2014/main" id="{46720BD6-226E-994F-97A9-B450618C2D41}"/>
-              </a:ext>
-            </a:extLst>
-          </p:cNvPr>
-          <p:cNvSpPr txBox="1"/>
-          <p:nvPr/>
-        </p:nvSpPr>
-        <p:spPr>
-          <a:xfrm>
-            <a:off x="10887059" y="3739872"/>
-            <a:ext cx="1007007" cy="369332"/>
-          </a:xfrm>
-          <a:prstGeom prst="rect">
-            <a:avLst/>
-          </a:prstGeom>
-          <a:noFill/>
-        </p:spPr>
-        <p:txBody>
-          <a:bodyPr wrap="none" rtlCol="0">
-            <a:spAutoFit/>
-          </a:bodyPr>
-          <a:lstStyle/>
-          <a:p>
-            <a:r>
-              <a:rPr kumimoji="1" lang="en-US" altLang="ja-JP" dirty="0"/>
-              <a:t>runtime</a:t>
-            </a:r>
-            <a:endParaRPr kumimoji="1" lang="ja-JP" altLang="en-US"/>
-          </a:p>
-        </p:txBody>
-      </p:sp>
     </p:spTree>
     <p:extLst>
       <p:ext uri="{BB962C8B-B14F-4D97-AF65-F5344CB8AC3E}">
